--- a/PRESENTATION/CAPSTONE_PRESENTATION_1026.pptx
+++ b/PRESENTATION/CAPSTONE_PRESENTATION_1026.pptx
@@ -6604,7 +6604,7 @@
         </p:nvGraphicFramePr>
         <p:xfrm>
           <a:off x="2845435" y="1097280"/>
-          <a:ext cx="5486400" cy="3931920"/>
+          <a:ext cx="5486400" cy="4598670"/>
         </p:xfrm>
         <a:graphic>
           <a:graphicData uri="http://schemas.openxmlformats.org/drawingml/2006/chart">
@@ -6990,6 +6990,7 @@
               <a:rPr b="1" i="1"/>
               <a:t>5 years</a:t>
             </a:r>
+            <a:endParaRPr b="1" i="1"/>
           </a:p>
           <a:p>
             <a:pPr>
